--- a/Φ2/Ομάδα-3_3200028_3200164.pptx
+++ b/Φ2/Ομάδα-3_3200028_3200164.pptx
@@ -3690,25 +3690,33 @@
           <a:p>
             <a:r>
               <a:rPr lang="el-GR" sz="1200" dirty="0" err="1"/>
-              <a:t>Μιχα</a:t>
-            </a:r>
-            <a:r>
-              <a:rPr lang="en-GR" sz="1200" dirty="0"/>
-              <a:t>ή</a:t>
+              <a:t>Μιχαηλ</a:t>
             </a:r>
             <a:r>
               <a:rPr lang="el-GR" sz="1200" dirty="0"/>
-              <a:t>λ Πρωτονοτάριος 3200164</a:t>
-            </a:r>
-          </a:p>
-          <a:p>
+              <a:t> </a:t>
+            </a:r>
+            <a:r>
+              <a:rPr lang="el-GR" sz="1200" dirty="0" err="1"/>
+              <a:t>Πρωτονοταριος</a:t>
+            </a:r>
             <a:r>
               <a:rPr lang="el-GR" sz="1200" dirty="0"/>
-              <a:t>Μάριος </a:t>
-            </a:r>
+              <a:t> 3200164</a:t>
+            </a:r>
+          </a:p>
+          <a:p>
             <a:r>
               <a:rPr lang="el-GR" sz="1200" dirty="0" err="1"/>
-              <a:t>Γεωργοπετρέας</a:t>
+              <a:t>Μαριος</a:t>
+            </a:r>
+            <a:r>
+              <a:rPr lang="el-GR" sz="1200" dirty="0"/>
+              <a:t> </a:t>
+            </a:r>
+            <a:r>
+              <a:rPr lang="el-GR" sz="1200" dirty="0" err="1"/>
+              <a:t>Γεωργοπετρεας</a:t>
             </a:r>
             <a:r>
               <a:rPr lang="el-GR" sz="1200" dirty="0"/>
@@ -3778,7 +3786,43 @@
                 <a:ea typeface="Aptos" panose="020B0004020202020204" pitchFamily="34" charset="0"/>
                 <a:cs typeface="Times New Roman" panose="02020603050405020304" pitchFamily="18" charset="0"/>
               </a:rPr>
-              <a:t>Τι χρειαζόμαστε (Οικονομικό)</a:t>
+              <a:t>Τι </a:t>
+            </a:r>
+            <a:r>
+              <a:rPr lang="el-GR" sz="3600" b="1" u="sng" dirty="0" err="1">
+                <a:effectLst/>
+                <a:latin typeface="Aptos" panose="020B0004020202020204" pitchFamily="34" charset="0"/>
+                <a:ea typeface="Aptos" panose="020B0004020202020204" pitchFamily="34" charset="0"/>
+                <a:cs typeface="Times New Roman" panose="02020603050405020304" pitchFamily="18" charset="0"/>
+              </a:rPr>
+              <a:t>χρειαζομαστε</a:t>
+            </a:r>
+            <a:r>
+              <a:rPr lang="el-GR" sz="3600" b="1" u="sng" dirty="0">
+                <a:effectLst/>
+                <a:latin typeface="Aptos" panose="020B0004020202020204" pitchFamily="34" charset="0"/>
+                <a:ea typeface="Aptos" panose="020B0004020202020204" pitchFamily="34" charset="0"/>
+                <a:cs typeface="Times New Roman" panose="02020603050405020304" pitchFamily="18" charset="0"/>
+              </a:rPr>
+              <a:t> (</a:t>
+            </a:r>
+            <a:r>
+              <a:rPr lang="el-GR" sz="3600" b="1" u="sng" dirty="0" err="1">
+                <a:effectLst/>
+                <a:latin typeface="Aptos" panose="020B0004020202020204" pitchFamily="34" charset="0"/>
+                <a:ea typeface="Aptos" panose="020B0004020202020204" pitchFamily="34" charset="0"/>
+                <a:cs typeface="Times New Roman" panose="02020603050405020304" pitchFamily="18" charset="0"/>
+              </a:rPr>
+              <a:t>Οικονομικο</a:t>
+            </a:r>
+            <a:r>
+              <a:rPr lang="el-GR" sz="3600" b="1" u="sng" dirty="0">
+                <a:effectLst/>
+                <a:latin typeface="Aptos" panose="020B0004020202020204" pitchFamily="34" charset="0"/>
+                <a:ea typeface="Aptos" panose="020B0004020202020204" pitchFamily="34" charset="0"/>
+                <a:cs typeface="Times New Roman" panose="02020603050405020304" pitchFamily="18" charset="0"/>
+              </a:rPr>
+              <a:t>)</a:t>
             </a:r>
             <a:r>
               <a:rPr lang="en-GR" sz="3600" b="1" u="sng" dirty="0">
@@ -3874,13 +3918,31 @@
           <a:lstStyle/>
           <a:p>
             <a:r>
+              <a:rPr lang="el-GR" sz="3600" b="1" u="sng" dirty="0" err="1">
+                <a:effectLst/>
+                <a:latin typeface="Aptos" panose="020B0004020202020204" pitchFamily="34" charset="0"/>
+                <a:ea typeface="Aptos" panose="020B0004020202020204" pitchFamily="34" charset="0"/>
+                <a:cs typeface="Times New Roman" panose="02020603050405020304" pitchFamily="18" charset="0"/>
+              </a:rPr>
+              <a:t>Πηγη</a:t>
+            </a:r>
+            <a:r>
               <a:rPr lang="el-GR" sz="3600" b="1" u="sng" dirty="0">
                 <a:effectLst/>
                 <a:latin typeface="Aptos" panose="020B0004020202020204" pitchFamily="34" charset="0"/>
                 <a:ea typeface="Aptos" panose="020B0004020202020204" pitchFamily="34" charset="0"/>
                 <a:cs typeface="Times New Roman" panose="02020603050405020304" pitchFamily="18" charset="0"/>
               </a:rPr>
-              <a:t>Πηγή εσόδων</a:t>
+              <a:t> </a:t>
+            </a:r>
+            <a:r>
+              <a:rPr lang="el-GR" sz="3600" b="1" u="sng" dirty="0" err="1">
+                <a:effectLst/>
+                <a:latin typeface="Aptos" panose="020B0004020202020204" pitchFamily="34" charset="0"/>
+                <a:ea typeface="Aptos" panose="020B0004020202020204" pitchFamily="34" charset="0"/>
+                <a:cs typeface="Times New Roman" panose="02020603050405020304" pitchFamily="18" charset="0"/>
+              </a:rPr>
+              <a:t>εσοδων</a:t>
             </a:r>
             <a:r>
               <a:rPr lang="en-GR" sz="3600" b="1" u="sng" dirty="0">
@@ -4397,7 +4459,16 @@
                 <a:ea typeface="Aptos" panose="020B0004020202020204" pitchFamily="34" charset="0"/>
                 <a:cs typeface="Times New Roman" panose="02020603050405020304" pitchFamily="18" charset="0"/>
               </a:rPr>
-              <a:t>Ποιοι θα συμμετάσχουν</a:t>
+              <a:t>Ποιοι θα </a:t>
+            </a:r>
+            <a:r>
+              <a:rPr lang="el-GR" sz="3600" b="1" u="sng" dirty="0" err="1">
+                <a:effectLst/>
+                <a:latin typeface="Aptos" panose="020B0004020202020204" pitchFamily="34" charset="0"/>
+                <a:ea typeface="Aptos" panose="020B0004020202020204" pitchFamily="34" charset="0"/>
+                <a:cs typeface="Times New Roman" panose="02020603050405020304" pitchFamily="18" charset="0"/>
+              </a:rPr>
+              <a:t>συμμετασχουν</a:t>
             </a:r>
             <a:endParaRPr lang="en-GR" sz="6000" b="1" u="sng" dirty="0"/>
           </a:p>
@@ -4799,7 +4870,16 @@
                 <a:ea typeface="Aptos" panose="020B0004020202020204" pitchFamily="34" charset="0"/>
                 <a:cs typeface="Times New Roman" panose="02020603050405020304" pitchFamily="18" charset="0"/>
               </a:rPr>
-              <a:t>Πως λειτουργεί</a:t>
+              <a:t>Πως </a:t>
+            </a:r>
+            <a:r>
+              <a:rPr lang="el-GR" sz="3600" b="1" u="sng" dirty="0" err="1">
+                <a:effectLst/>
+                <a:latin typeface="Aptos" panose="020B0004020202020204" pitchFamily="34" charset="0"/>
+                <a:ea typeface="Aptos" panose="020B0004020202020204" pitchFamily="34" charset="0"/>
+                <a:cs typeface="Times New Roman" panose="02020603050405020304" pitchFamily="18" charset="0"/>
+              </a:rPr>
+              <a:t>λειτουργει</a:t>
             </a:r>
             <a:r>
               <a:rPr lang="en-GR" sz="5400" b="1" u="sng" dirty="0">
@@ -5080,7 +5160,16 @@
                 <a:ea typeface="Aptos" panose="020B0004020202020204" pitchFamily="34" charset="0"/>
                 <a:cs typeface="Times New Roman" panose="02020603050405020304" pitchFamily="18" charset="0"/>
               </a:rPr>
-              <a:t>Τι χρειαζόμαστε</a:t>
+              <a:t>Τι </a:t>
+            </a:r>
+            <a:r>
+              <a:rPr lang="el-GR" sz="3600" b="1" u="sng" dirty="0" err="1">
+                <a:effectLst/>
+                <a:latin typeface="Aptos" panose="020B0004020202020204" pitchFamily="34" charset="0"/>
+                <a:ea typeface="Aptos" panose="020B0004020202020204" pitchFamily="34" charset="0"/>
+                <a:cs typeface="Times New Roman" panose="02020603050405020304" pitchFamily="18" charset="0"/>
+              </a:rPr>
+              <a:t>χρειαζομαστε</a:t>
             </a:r>
             <a:r>
               <a:rPr lang="en-US" sz="3600" b="1" u="sng" dirty="0">
@@ -5092,13 +5181,13 @@
               <a:t> (</a:t>
             </a:r>
             <a:r>
-              <a:rPr lang="el-GR" sz="3600" b="1" u="sng" dirty="0">
+              <a:rPr lang="el-GR" sz="3600" b="1" u="sng" dirty="0" err="1">
                 <a:effectLst/>
                 <a:latin typeface="Aptos" panose="020B0004020202020204" pitchFamily="34" charset="0"/>
                 <a:ea typeface="Aptos" panose="020B0004020202020204" pitchFamily="34" charset="0"/>
                 <a:cs typeface="Times New Roman" panose="02020603050405020304" pitchFamily="18" charset="0"/>
               </a:rPr>
-              <a:t>Χρονικά</a:t>
+              <a:t>Χρονικα</a:t>
             </a:r>
             <a:r>
               <a:rPr lang="en-US" sz="3600" b="1" u="sng" dirty="0">

--- a/Φ2/Ομάδα-3_3200028_3200164.pptx
+++ b/Φ2/Ομάδα-3_3200028_3200164.pptx
@@ -261,7 +261,7 @@
           <a:p>
             <a:fld id="{B8C0CCF5-40D8-6B43-AE31-DCC4D10E5115}" type="datetimeFigureOut">
               <a:rPr lang="en-GR" smtClean="0"/>
-              <a:t>03/30/2024</a:t>
+              <a:t>03/31/2024</a:t>
             </a:fld>
             <a:endParaRPr lang="en-GR"/>
           </a:p>
@@ -472,7 +472,7 @@
           <a:p>
             <a:fld id="{B8C0CCF5-40D8-6B43-AE31-DCC4D10E5115}" type="datetimeFigureOut">
               <a:rPr lang="en-GR" smtClean="0"/>
-              <a:t>03/30/2024</a:t>
+              <a:t>03/31/2024</a:t>
             </a:fld>
             <a:endParaRPr lang="en-GR"/>
           </a:p>
@@ -687,7 +687,7 @@
           <a:p>
             <a:fld id="{B8C0CCF5-40D8-6B43-AE31-DCC4D10E5115}" type="datetimeFigureOut">
               <a:rPr lang="en-GR" smtClean="0"/>
-              <a:t>03/30/2024</a:t>
+              <a:t>03/31/2024</a:t>
             </a:fld>
             <a:endParaRPr lang="en-GR"/>
           </a:p>
@@ -888,7 +888,7 @@
           <a:p>
             <a:fld id="{B8C0CCF5-40D8-6B43-AE31-DCC4D10E5115}" type="datetimeFigureOut">
               <a:rPr lang="en-GR" smtClean="0"/>
-              <a:t>03/30/2024</a:t>
+              <a:t>03/31/2024</a:t>
             </a:fld>
             <a:endParaRPr lang="en-GR"/>
           </a:p>
@@ -1167,7 +1167,7 @@
           <a:p>
             <a:fld id="{B8C0CCF5-40D8-6B43-AE31-DCC4D10E5115}" type="datetimeFigureOut">
               <a:rPr lang="en-GR" smtClean="0"/>
-              <a:t>03/30/2024</a:t>
+              <a:t>03/31/2024</a:t>
             </a:fld>
             <a:endParaRPr lang="en-GR"/>
           </a:p>
@@ -1435,7 +1435,7 @@
           <a:p>
             <a:fld id="{B8C0CCF5-40D8-6B43-AE31-DCC4D10E5115}" type="datetimeFigureOut">
               <a:rPr lang="en-GR" smtClean="0"/>
-              <a:t>03/30/2024</a:t>
+              <a:t>03/31/2024</a:t>
             </a:fld>
             <a:endParaRPr lang="en-GR"/>
           </a:p>
@@ -1851,7 +1851,7 @@
           <a:p>
             <a:fld id="{B8C0CCF5-40D8-6B43-AE31-DCC4D10E5115}" type="datetimeFigureOut">
               <a:rPr lang="en-GR" smtClean="0"/>
-              <a:t>03/30/2024</a:t>
+              <a:t>03/31/2024</a:t>
             </a:fld>
             <a:endParaRPr lang="en-GR"/>
           </a:p>
@@ -2000,7 +2000,7 @@
           <a:p>
             <a:fld id="{B8C0CCF5-40D8-6B43-AE31-DCC4D10E5115}" type="datetimeFigureOut">
               <a:rPr lang="en-GR" smtClean="0"/>
-              <a:t>03/30/2024</a:t>
+              <a:t>03/31/2024</a:t>
             </a:fld>
             <a:endParaRPr lang="en-GR"/>
           </a:p>
@@ -2126,7 +2126,7 @@
           <a:p>
             <a:fld id="{B8C0CCF5-40D8-6B43-AE31-DCC4D10E5115}" type="datetimeFigureOut">
               <a:rPr lang="en-GR" smtClean="0"/>
-              <a:t>03/30/2024</a:t>
+              <a:t>03/31/2024</a:t>
             </a:fld>
             <a:endParaRPr lang="en-GR"/>
           </a:p>
@@ -2377,7 +2377,7 @@
           <a:p>
             <a:fld id="{B8C0CCF5-40D8-6B43-AE31-DCC4D10E5115}" type="datetimeFigureOut">
               <a:rPr lang="en-GR" smtClean="0"/>
-              <a:t>03/30/2024</a:t>
+              <a:t>03/31/2024</a:t>
             </a:fld>
             <a:endParaRPr lang="en-GR"/>
           </a:p>
@@ -2822,7 +2822,7 @@
           <a:p>
             <a:fld id="{B8C0CCF5-40D8-6B43-AE31-DCC4D10E5115}" type="datetimeFigureOut">
               <a:rPr lang="en-GR" smtClean="0"/>
-              <a:t>03/30/2024</a:t>
+              <a:t>03/31/2024</a:t>
             </a:fld>
             <a:endParaRPr lang="en-GR"/>
           </a:p>
@@ -3149,7 +3149,7 @@
           <a:p>
             <a:fld id="{B8C0CCF5-40D8-6B43-AE31-DCC4D10E5115}" type="datetimeFigureOut">
               <a:rPr lang="en-GR" smtClean="0"/>
-              <a:t>03/30/2024</a:t>
+              <a:t>03/31/2024</a:t>
             </a:fld>
             <a:endParaRPr lang="en-GR"/>
           </a:p>
@@ -3813,7 +3813,15 @@
                 <a:ea typeface="Aptos" panose="020B0004020202020204" pitchFamily="34" charset="0"/>
                 <a:cs typeface="Times New Roman" panose="02020603050405020304" pitchFamily="18" charset="0"/>
               </a:rPr>
-              <a:t>Οικονομικο</a:t>
+              <a:t>Οικονομικ</a:t>
+            </a:r>
+            <a:r>
+              <a:rPr lang="el-GR" sz="3600" b="1" u="sng" dirty="0" err="1">
+                <a:latin typeface="Aptos" panose="020B0004020202020204" pitchFamily="34" charset="0"/>
+                <a:ea typeface="Aptos" panose="020B0004020202020204" pitchFamily="34" charset="0"/>
+                <a:cs typeface="Times New Roman" panose="02020603050405020304" pitchFamily="18" charset="0"/>
+              </a:rPr>
+              <a:t>Α</a:t>
             </a:r>
             <a:r>
               <a:rPr lang="el-GR" sz="3600" b="1" u="sng" dirty="0">
